--- a/sctm146-proekt-unrvk-6.pptx
+++ b/sctm146-proekt-unrvk-6.pptx
@@ -3683,7 +3683,7 @@
             </a:r>
             <a:r>
               <a:rPr lang="bg-BG" sz="3200" dirty="0"/>
-              <a:t>за управление на риска при </a:t>
+              <a:t>при </a:t>
             </a:r>
             <a:r>
               <a:rPr lang="en-GB" sz="3200" dirty="0"/>
@@ -5835,6 +5835,45 @@
           <a:lstStyle/>
           <a:p>
             <a:endParaRPr lang="en-GB" sz="1600" dirty="0"/>
+          </a:p>
+        </p:txBody>
+      </p:sp>
+      <p:sp>
+        <p:nvSpPr>
+          <p:cNvPr id="8" name="TextBox 7">
+            <a:extLst>
+              <a:ext uri="{FF2B5EF4-FFF2-40B4-BE49-F238E27FC236}">
+                <a16:creationId xmlns:a16="http://schemas.microsoft.com/office/drawing/2014/main" id="{F74E31B0-60C4-264B-81B0-3C82ABD4A195}"/>
+              </a:ext>
+            </a:extLst>
+          </p:cNvPr>
+          <p:cNvSpPr txBox="1"/>
+          <p:nvPr/>
+        </p:nvSpPr>
+        <p:spPr>
+          <a:xfrm>
+            <a:off x="317396" y="397225"/>
+            <a:ext cx="6942606" cy="369332"/>
+          </a:xfrm>
+          <a:prstGeom prst="rect">
+            <a:avLst/>
+          </a:prstGeom>
+          <a:noFill/>
+        </p:spPr>
+        <p:txBody>
+          <a:bodyPr wrap="none" rtlCol="0">
+            <a:spAutoFit/>
+          </a:bodyPr>
+          <a:lstStyle/>
+          <a:p>
+            <a:r>
+              <a:rPr lang="bg-BG" dirty="0"/>
+              <a:t>Типичен модел за управление на риска във фирма използваща </a:t>
+            </a:r>
+            <a:r>
+              <a:rPr lang="en-GB" dirty="0"/>
+              <a:t>Java</a:t>
+            </a:r>
           </a:p>
         </p:txBody>
       </p:sp>

--- a/sctm146-proekt-unrvk-6.pptx
+++ b/sctm146-proekt-unrvk-6.pptx
@@ -5877,6 +5877,36 @@
           </a:p>
         </p:txBody>
       </p:sp>
+      <p:pic>
+        <p:nvPicPr>
+          <p:cNvPr id="3" name="Picture 2" descr="Logo&#10;&#10;Description automatically generated">
+            <a:extLst>
+              <a:ext uri="{FF2B5EF4-FFF2-40B4-BE49-F238E27FC236}">
+                <a16:creationId xmlns:a16="http://schemas.microsoft.com/office/drawing/2014/main" id="{14FDDBAF-9996-C448-B32A-191FB8C5AE31}"/>
+              </a:ext>
+            </a:extLst>
+          </p:cNvPr>
+          <p:cNvPicPr>
+            <a:picLocks noChangeAspect="1"/>
+          </p:cNvPicPr>
+          <p:nvPr/>
+        </p:nvPicPr>
+        <p:blipFill>
+          <a:blip r:embed="rId2"/>
+          <a:stretch>
+            <a:fillRect/>
+          </a:stretch>
+        </p:blipFill>
+        <p:spPr>
+          <a:xfrm>
+            <a:off x="677474" y="1336119"/>
+            <a:ext cx="1977783" cy="1123591"/>
+          </a:xfrm>
+          <a:prstGeom prst="rect">
+            <a:avLst/>
+          </a:prstGeom>
+        </p:spPr>
+      </p:pic>
     </p:spTree>
     <p:extLst>
       <p:ext uri="{BB962C8B-B14F-4D97-AF65-F5344CB8AC3E}">
@@ -6361,7 +6391,7 @@
         <p:spPr>
           <a:xfrm>
             <a:off x="439567" y="1166842"/>
-            <a:ext cx="11312865" cy="954107"/>
+            <a:ext cx="11312865" cy="1692771"/>
           </a:xfrm>
           <a:prstGeom prst="rect">
             <a:avLst/>
@@ -6407,10 +6437,94 @@
               </a:rPr>
               <a:t>https://thesecmaster.com/how-does-the-log4j-vulnerability-work-in-practical/</a:t>
             </a:r>
-            <a:endParaRPr lang="bg-BG" sz="800"/>
-          </a:p>
-          <a:p>
             <a:endParaRPr lang="bg-BG" sz="800" dirty="0"/>
+          </a:p>
+          <a:p>
+            <a:endParaRPr lang="bg-BG" sz="800" dirty="0"/>
+          </a:p>
+          <a:p>
+            <a:r>
+              <a:rPr lang="en-GB" sz="800" dirty="0">
+                <a:hlinkClick r:id="rId5"/>
+              </a:rPr>
+              <a:t>https://d7umqicpi7263.cloudfront.net/img/product/a55efc60-f377-4559-8422-5e828ac7d5fc/1e42c890-e4fd-4bd8-9845-f028dccf0cf8.png</a:t>
+            </a:r>
+            <a:endParaRPr lang="en-GB" sz="800" dirty="0"/>
+          </a:p>
+          <a:p>
+            <a:endParaRPr lang="en-GB" sz="800" dirty="0"/>
+          </a:p>
+          <a:p>
+            <a:r>
+              <a:rPr lang="en-GB" sz="800" dirty="0">
+                <a:hlinkClick r:id="rId6"/>
+              </a:rPr>
+              <a:t>https://miro.medium.com/max/650/1*zzvdRmHGGXONZpuQ2FeqsQ.png</a:t>
+            </a:r>
+            <a:endParaRPr lang="en-GB" sz="800" dirty="0"/>
+          </a:p>
+          <a:p>
+            <a:endParaRPr lang="en-GB" sz="800" dirty="0"/>
+          </a:p>
+          <a:p>
+            <a:r>
+              <a:rPr lang="en-GB" sz="800" dirty="0">
+                <a:hlinkClick r:id="rId7"/>
+              </a:rPr>
+              <a:t>https://maven.apache.org/images/maven-logo-black-on-white.png</a:t>
+            </a:r>
+            <a:endParaRPr lang="en-GB" sz="800" dirty="0"/>
+          </a:p>
+          <a:p>
+            <a:endParaRPr lang="en-GB" sz="800" dirty="0"/>
+          </a:p>
+          <a:p>
+            <a:r>
+              <a:rPr lang="en-GB" sz="800" dirty="0">
+                <a:hlinkClick r:id="rId8"/>
+              </a:rPr>
+              <a:t>https://medium.com/swlh/sonarqube-part-2-features-of-sonarqube-installation-and-some-practice-on-sonarqube-d523ae9a998a</a:t>
+            </a:r>
+            <a:endParaRPr lang="en-GB" sz="800" dirty="0"/>
+          </a:p>
+          <a:p>
+            <a:endParaRPr lang="en-GB" sz="800" dirty="0"/>
+          </a:p>
+          <a:p>
+            <a:r>
+              <a:rPr lang="en-GB" sz="800" dirty="0">
+                <a:hlinkClick r:id="rId9"/>
+              </a:rPr>
+              <a:t>https://www.sonarqube.org/index/sq-homepage-og-image.png</a:t>
+            </a:r>
+            <a:endParaRPr lang="en-GB" sz="800" dirty="0"/>
+          </a:p>
+          <a:p>
+            <a:endParaRPr lang="en-GB" sz="800" dirty="0"/>
+          </a:p>
+          <a:p>
+            <a:r>
+              <a:rPr lang="en-GB" sz="800" dirty="0">
+                <a:hlinkClick r:id="rId10"/>
+              </a:rPr>
+              <a:t>https://www.sonarqube.org/</a:t>
+            </a:r>
+            <a:endParaRPr lang="en-GB" sz="800" dirty="0"/>
+          </a:p>
+          <a:p>
+            <a:endParaRPr lang="en-GB" sz="800" dirty="0"/>
+          </a:p>
+          <a:p>
+            <a:r>
+              <a:rPr lang="en-GB" sz="800" dirty="0">
+                <a:hlinkClick r:id="rId11"/>
+              </a:rPr>
+              <a:t>https://snyk.io/</a:t>
+            </a:r>
+            <a:endParaRPr lang="en-GB" sz="800" dirty="0"/>
+          </a:p>
+          <a:p>
+            <a:endParaRPr lang="en-GB" sz="800" dirty="0"/>
           </a:p>
           <a:p>
             <a:endParaRPr lang="bg-BG" sz="800" dirty="0"/>
